--- a/IseeAIQr's.pptx
+++ b/IseeAIQr's.pptx
@@ -104,6 +104,11 @@
       </a:defRPr>
     </a:lvl9pPr>
   </p:defaultTextStyle>
+  <p:extLst>
+    <p:ext uri="{EFAFB233-063F-42B5-8137-9DF3F51BA10A}">
+      <p15:sldGuideLst xmlns:p15="http://schemas.microsoft.com/office/powerpoint/2012/main"/>
+    </p:ext>
+  </p:extLst>
 </p:presentation>
 </file>
 
@@ -3193,16 +3198,15 @@
             <p:nvPr/>
           </p:nvPicPr>
           <p:blipFill>
-            <a:blip r:embed="rId2">
+            <a:blip r:embed="rId3">
               <a:extLst>
                 <a:ext uri="{28A0092B-C50C-407E-A947-70E740481C1C}">
                   <a14:useLocalDpi xmlns:a14="http://schemas.microsoft.com/office/drawing/2010/main" val="0"/>
                 </a:ext>
               </a:extLst>
             </a:blip>
-            <a:stretch>
-              <a:fillRect/>
-            </a:stretch>
+            <a:srcRect/>
+            <a:stretch/>
           </p:blipFill>
           <p:spPr>
             <a:xfrm>
